--- a/.PPT/REST API.pptx
+++ b/.PPT/REST API.pptx
@@ -13643,13 +13643,13 @@
   <p:clrMapOvr>
     <a:masterClrMapping/>
   </p:clrMapOvr>
-  <mc:AlternateContent xmlns:mc="http://schemas.openxmlformats.org/markup-compatibility/2006">
-    <mc:Choice xmlns:p14="http://schemas.microsoft.com/office/powerpoint/2010/main" Requires="p14">
+  <mc:AlternateContent xmlns:mc="http://schemas.openxmlformats.org/markup-compatibility/2006" xmlns:p14="http://schemas.microsoft.com/office/powerpoint/2010/main">
+    <mc:Choice Requires="p14">
       <p:transition spd="med" p14:dur="700">
         <p:fade/>
       </p:transition>
     </mc:Choice>
-    <mc:Fallback>
+    <mc:Fallback xmlns="">
       <p:transition spd="med">
         <p:fade/>
       </p:transition>
@@ -14022,13 +14022,13 @@
   <p:clrMapOvr>
     <a:masterClrMapping/>
   </p:clrMapOvr>
-  <mc:AlternateContent xmlns:mc="http://schemas.openxmlformats.org/markup-compatibility/2006">
-    <mc:Choice xmlns:p14="http://schemas.microsoft.com/office/powerpoint/2010/main" Requires="p14">
+  <mc:AlternateContent xmlns:mc="http://schemas.openxmlformats.org/markup-compatibility/2006" xmlns:p14="http://schemas.microsoft.com/office/powerpoint/2010/main">
+    <mc:Choice Requires="p14">
       <p:transition spd="med" p14:dur="700">
         <p:fade/>
       </p:transition>
     </mc:Choice>
-    <mc:Fallback>
+    <mc:Fallback xmlns="">
       <p:transition spd="med">
         <p:fade/>
       </p:transition>
@@ -14449,13 +14449,13 @@
   <p:clrMapOvr>
     <a:masterClrMapping/>
   </p:clrMapOvr>
-  <mc:AlternateContent xmlns:mc="http://schemas.openxmlformats.org/markup-compatibility/2006">
-    <mc:Choice xmlns:p14="http://schemas.microsoft.com/office/powerpoint/2010/main" Requires="p14">
+  <mc:AlternateContent xmlns:mc="http://schemas.openxmlformats.org/markup-compatibility/2006" xmlns:p14="http://schemas.microsoft.com/office/powerpoint/2010/main">
+    <mc:Choice Requires="p14">
       <p:transition spd="med" p14:dur="700">
         <p:fade/>
       </p:transition>
     </mc:Choice>
-    <mc:Fallback>
+    <mc:Fallback xmlns="">
       <p:transition spd="med">
         <p:fade/>
       </p:transition>
@@ -14615,13 +14615,14 @@
           <a:lstStyle/>
           <a:p>
             <a:r>
-              <a:rPr lang="hu-HU" sz="4000" dirty="0">
-                <a:solidFill>
-                  <a:schemeClr val="tx1"/>
-                </a:solidFill>
-              </a:rPr>
-              <a:t>javasolt relációs táblák</a:t>
+              <a:rPr lang="hu-HU" sz="3400" dirty="0"/>
+              <a:t>Javasolt adatbázistáblák</a:t>
             </a:r>
+            <a:endParaRPr lang="hu-HU" sz="3400" dirty="0">
+              <a:solidFill>
+                <a:schemeClr val="tx1"/>
+              </a:solidFill>
+            </a:endParaRPr>
           </a:p>
         </p:txBody>
       </p:sp>
@@ -15164,13 +15165,13 @@
   <p:clrMapOvr>
     <a:overrideClrMapping bg1="dk1" tx1="lt1" bg2="dk2" tx2="lt2" accent1="accent1" accent2="accent2" accent3="accent3" accent4="accent4" accent5="accent5" accent6="accent6" hlink="hlink" folHlink="folHlink"/>
   </p:clrMapOvr>
-  <mc:AlternateContent xmlns:mc="http://schemas.openxmlformats.org/markup-compatibility/2006">
-    <mc:Choice xmlns:p14="http://schemas.microsoft.com/office/powerpoint/2010/main" Requires="p14">
+  <mc:AlternateContent xmlns:mc="http://schemas.openxmlformats.org/markup-compatibility/2006" xmlns:p14="http://schemas.microsoft.com/office/powerpoint/2010/main">
+    <mc:Choice Requires="p14">
       <p:transition spd="med" p14:dur="700">
         <p:fade/>
       </p:transition>
     </mc:Choice>
-    <mc:Fallback>
+    <mc:Fallback xmlns="">
       <p:transition spd="med">
         <p:fade/>
       </p:transition>
@@ -15726,13 +15727,13 @@
   <p:clrMapOvr>
     <a:masterClrMapping/>
   </p:clrMapOvr>
-  <mc:AlternateContent xmlns:mc="http://schemas.openxmlformats.org/markup-compatibility/2006">
-    <mc:Choice xmlns:p14="http://schemas.microsoft.com/office/powerpoint/2010/main" Requires="p14">
+  <mc:AlternateContent xmlns:mc="http://schemas.openxmlformats.org/markup-compatibility/2006" xmlns:p14="http://schemas.microsoft.com/office/powerpoint/2010/main">
+    <mc:Choice Requires="p14">
       <p:transition spd="med" p14:dur="700">
         <p:fade/>
       </p:transition>
     </mc:Choice>
-    <mc:Fallback>
+    <mc:Fallback xmlns="">
       <p:transition spd="med">
         <p:fade/>
       </p:transition>
@@ -16173,7 +16174,7 @@
               <a:tabLst/>
             </a:pPr>
             <a:r>
-              <a:rPr kumimoji="0" lang="hu-HU" altLang="hu-HU" sz="2000" b="0" i="0" u="none" strike="noStrike" cap="none" normalizeH="0" baseline="0" dirty="0">
+              <a:rPr kumimoji="0" lang="hu-HU" altLang="hu-HU" sz="2200" b="0" i="0" u="none" strike="noStrike" cap="none" normalizeH="0" baseline="0" dirty="0">
                 <a:ln>
                   <a:noFill/>
                 </a:ln>
@@ -16183,7 +16184,7 @@
               <a:t>A REST API az alkalmazás és az adatbázis közötti közvetítő szerepet lát el. A </a:t>
             </a:r>
             <a:r>
-              <a:rPr kumimoji="0" lang="hu-HU" altLang="hu-HU" sz="2000" b="0" i="0" u="none" strike="noStrike" cap="none" normalizeH="0" baseline="0" dirty="0" err="1">
+              <a:rPr kumimoji="0" lang="hu-HU" altLang="hu-HU" sz="2200" b="0" i="0" u="none" strike="noStrike" cap="none" normalizeH="0" baseline="0" dirty="0" err="1">
                 <a:ln>
                   <a:noFill/>
                 </a:ln>
@@ -16193,7 +16194,7 @@
               <a:t>posts.json</a:t>
             </a:r>
             <a:r>
-              <a:rPr kumimoji="0" lang="hu-HU" altLang="hu-HU" sz="2000" b="0" i="0" u="none" strike="noStrike" cap="none" normalizeH="0" baseline="0" dirty="0">
+              <a:rPr kumimoji="0" lang="hu-HU" altLang="hu-HU" sz="2200" b="0" i="0" u="none" strike="noStrike" cap="none" normalizeH="0" baseline="0" dirty="0">
                 <a:ln>
                   <a:noFill/>
                 </a:ln>
@@ -16201,7 +16202,7 @@
               </a:rPr>
               <a:t> adatait az API-n keresztül tudjuk kezelni:</a:t>
             </a:r>
-            <a:endParaRPr kumimoji="0" lang="hu-HU" altLang="hu-HU" sz="2000" b="0" i="0" u="none" strike="noStrike" cap="none" normalizeH="0" baseline="0" dirty="0">
+            <a:endParaRPr kumimoji="0" lang="hu-HU" altLang="hu-HU" sz="2200" b="0" i="0" u="none" strike="noStrike" cap="none" normalizeH="0" baseline="0" dirty="0">
               <a:ln>
                 <a:noFill/>
               </a:ln>
@@ -16224,7 +16225,7 @@
               <a:tabLst/>
             </a:pPr>
             <a:r>
-              <a:rPr kumimoji="0" lang="hu-HU" altLang="hu-HU" sz="2000" b="1" i="0" u="none" strike="noStrike" cap="none" normalizeH="0" baseline="0" dirty="0" err="1">
+              <a:rPr kumimoji="0" lang="hu-HU" altLang="hu-HU" sz="2200" b="1" i="0" u="none" strike="noStrike" cap="none" normalizeH="0" baseline="0" dirty="0" err="1">
                 <a:ln>
                   <a:noFill/>
                 </a:ln>
@@ -16234,7 +16235,7 @@
               <a:t>Create</a:t>
             </a:r>
             <a:r>
-              <a:rPr kumimoji="0" lang="hu-HU" altLang="hu-HU" sz="2000" b="0" i="0" u="none" strike="noStrike" cap="none" normalizeH="0" baseline="0" dirty="0">
+              <a:rPr kumimoji="0" lang="hu-HU" altLang="hu-HU" sz="2200" b="0" i="0" u="none" strike="noStrike" cap="none" normalizeH="0" baseline="0" dirty="0">
                 <a:ln>
                   <a:noFill/>
                 </a:ln>
@@ -16259,7 +16260,7 @@
               <a:tabLst/>
             </a:pPr>
             <a:r>
-              <a:rPr kumimoji="0" lang="hu-HU" altLang="hu-HU" sz="2000" b="1" i="0" u="none" strike="noStrike" cap="none" normalizeH="0" baseline="0" dirty="0">
+              <a:rPr kumimoji="0" lang="hu-HU" altLang="hu-HU" sz="2200" b="1" i="0" u="none" strike="noStrike" cap="none" normalizeH="0" baseline="0" dirty="0">
                 <a:ln>
                   <a:noFill/>
                 </a:ln>
@@ -16269,7 +16270,7 @@
               <a:t>Read</a:t>
             </a:r>
             <a:r>
-              <a:rPr kumimoji="0" lang="hu-HU" altLang="hu-HU" sz="2000" b="0" i="0" u="none" strike="noStrike" cap="none" normalizeH="0" baseline="0" dirty="0">
+              <a:rPr kumimoji="0" lang="hu-HU" altLang="hu-HU" sz="2200" b="0" i="0" u="none" strike="noStrike" cap="none" normalizeH="0" baseline="0" dirty="0">
                 <a:ln>
                   <a:noFill/>
                 </a:ln>
@@ -16294,7 +16295,7 @@
               <a:tabLst/>
             </a:pPr>
             <a:r>
-              <a:rPr kumimoji="0" lang="hu-HU" altLang="hu-HU" sz="2000" b="1" i="0" u="none" strike="noStrike" cap="none" normalizeH="0" baseline="0" dirty="0">
+              <a:rPr kumimoji="0" lang="hu-HU" altLang="hu-HU" sz="2200" b="1" i="0" u="none" strike="noStrike" cap="none" normalizeH="0" baseline="0" dirty="0">
                 <a:ln>
                   <a:noFill/>
                 </a:ln>
@@ -16304,7 +16305,7 @@
               <a:t>Update</a:t>
             </a:r>
             <a:r>
-              <a:rPr kumimoji="0" lang="hu-HU" altLang="hu-HU" sz="2000" b="0" i="0" u="none" strike="noStrike" cap="none" normalizeH="0" baseline="0" dirty="0">
+              <a:rPr kumimoji="0" lang="hu-HU" altLang="hu-HU" sz="2200" b="0" i="0" u="none" strike="noStrike" cap="none" normalizeH="0" baseline="0" dirty="0">
                 <a:ln>
                   <a:noFill/>
                 </a:ln>
@@ -16329,7 +16330,7 @@
               <a:tabLst/>
             </a:pPr>
             <a:r>
-              <a:rPr kumimoji="0" lang="hu-HU" altLang="hu-HU" sz="2000" b="1" i="0" u="none" strike="noStrike" cap="none" normalizeH="0" baseline="0" dirty="0" err="1">
+              <a:rPr kumimoji="0" lang="hu-HU" altLang="hu-HU" sz="2200" b="1" i="0" u="none" strike="noStrike" cap="none" normalizeH="0" baseline="0" dirty="0" err="1">
                 <a:ln>
                   <a:noFill/>
                 </a:ln>
@@ -16339,7 +16340,7 @@
               <a:t>Delete</a:t>
             </a:r>
             <a:r>
-              <a:rPr kumimoji="0" lang="hu-HU" altLang="hu-HU" sz="2000" b="0" i="0" u="none" strike="noStrike" cap="none" normalizeH="0" baseline="0" dirty="0">
+              <a:rPr kumimoji="0" lang="hu-HU" altLang="hu-HU" sz="2200" b="0" i="0" u="none" strike="noStrike" cap="none" normalizeH="0" baseline="0" dirty="0">
                 <a:ln>
                   <a:noFill/>
                 </a:ln>
@@ -16364,7 +16365,7 @@
               <a:tabLst/>
             </a:pPr>
             <a:r>
-              <a:rPr kumimoji="0" lang="hu-HU" altLang="hu-HU" sz="2000" b="0" i="0" u="none" strike="noStrike" cap="none" normalizeH="0" baseline="0" dirty="0">
+              <a:rPr kumimoji="0" lang="hu-HU" altLang="hu-HU" sz="2200" b="0" i="0" u="none" strike="noStrike" cap="none" normalizeH="0" baseline="0" dirty="0">
                 <a:ln>
                   <a:noFill/>
                 </a:ln>
@@ -16386,13 +16387,13 @@
   <p:clrMapOvr>
     <a:masterClrMapping/>
   </p:clrMapOvr>
-  <mc:AlternateContent xmlns:mc="http://schemas.openxmlformats.org/markup-compatibility/2006">
-    <mc:Choice xmlns:p14="http://schemas.microsoft.com/office/powerpoint/2010/main" Requires="p14">
+  <mc:AlternateContent xmlns:mc="http://schemas.openxmlformats.org/markup-compatibility/2006" xmlns:p14="http://schemas.microsoft.com/office/powerpoint/2010/main">
+    <mc:Choice Requires="p14">
       <p:transition spd="med" p14:dur="700">
         <p:fade/>
       </p:transition>
     </mc:Choice>
-    <mc:Fallback>
+    <mc:Fallback xmlns="">
       <p:transition spd="med">
         <p:fade/>
       </p:transition>
@@ -16816,13 +16817,13 @@
   <p:clrMapOvr>
     <a:masterClrMapping/>
   </p:clrMapOvr>
-  <mc:AlternateContent xmlns:mc="http://schemas.openxmlformats.org/markup-compatibility/2006">
-    <mc:Choice xmlns:p14="http://schemas.microsoft.com/office/powerpoint/2010/main" Requires="p14">
+  <mc:AlternateContent xmlns:mc="http://schemas.openxmlformats.org/markup-compatibility/2006" xmlns:p14="http://schemas.microsoft.com/office/powerpoint/2010/main">
+    <mc:Choice Requires="p14">
       <p:transition spd="med" p14:dur="700">
         <p:fade/>
       </p:transition>
     </mc:Choice>
-    <mc:Fallback>
+    <mc:Fallback xmlns="">
       <p:transition spd="med">
         <p:fade/>
       </p:transition>
@@ -17160,13 +17161,13 @@
   <p:clrMapOvr>
     <a:overrideClrMapping bg1="dk1" tx1="lt1" bg2="dk2" tx2="lt2" accent1="accent1" accent2="accent2" accent3="accent3" accent4="accent4" accent5="accent5" accent6="accent6" hlink="hlink" folHlink="folHlink"/>
   </p:clrMapOvr>
-  <mc:AlternateContent xmlns:mc="http://schemas.openxmlformats.org/markup-compatibility/2006">
-    <mc:Choice xmlns:p14="http://schemas.microsoft.com/office/powerpoint/2010/main" Requires="p14">
+  <mc:AlternateContent xmlns:mc="http://schemas.openxmlformats.org/markup-compatibility/2006" xmlns:p14="http://schemas.microsoft.com/office/powerpoint/2010/main">
+    <mc:Choice Requires="p14">
       <p:transition spd="med" p14:dur="700">
         <p:fade/>
       </p:transition>
     </mc:Choice>
-    <mc:Fallback>
+    <mc:Fallback xmlns="">
       <p:transition spd="med">
         <p:fade/>
       </p:transition>
@@ -18115,20 +18116,20 @@
 </file>
 
 <file path=customXml/item1.xml><?xml version="1.0" encoding="utf-8"?>
-<p:properties xmlns:p="http://schemas.microsoft.com/office/2006/metadata/properties" xmlns:xsi="http://www.w3.org/2001/XMLSchema-instance" xmlns:pc="http://schemas.microsoft.com/office/infopath/2007/PartnerControls">
-  <documentManagement>
-    <MediaServiceKeyPoints xmlns="71af3243-3dd4-4a8d-8c0d-dd76da1f02a5" xsi:nil="true"/>
-  </documentManagement>
-</p:properties>
-</file>
-
-<file path=customXml/item2.xml><?xml version="1.0" encoding="utf-8"?>
 <?mso-contentType ?>
 <FormTemplates xmlns="http://schemas.microsoft.com/sharepoint/v3/contenttype/forms">
   <Display>DocumentLibraryForm</Display>
   <Edit>DocumentLibraryForm</Edit>
   <New>DocumentLibraryForm</New>
 </FormTemplates>
+</file>
+
+<file path=customXml/item2.xml><?xml version="1.0" encoding="utf-8"?>
+<p:properties xmlns:p="http://schemas.microsoft.com/office/2006/metadata/properties" xmlns:xsi="http://www.w3.org/2001/XMLSchema-instance" xmlns:pc="http://schemas.microsoft.com/office/infopath/2007/PartnerControls">
+  <documentManagement>
+    <MediaServiceKeyPoints xmlns="71af3243-3dd4-4a8d-8c0d-dd76da1f02a5" xsi:nil="true"/>
+  </documentManagement>
+</p:properties>
 </file>
 
 <file path=customXml/item3.xml><?xml version="1.0" encoding="utf-8"?>
@@ -18343,19 +18344,19 @@
 </file>
 
 <file path=customXml/itemProps1.xml><?xml version="1.0" encoding="utf-8"?>
+<ds:datastoreItem xmlns:ds="http://schemas.openxmlformats.org/officeDocument/2006/customXml" ds:itemID="{3E17AD15-0DEB-4851-82A2-261C041346DD}">
+  <ds:schemaRefs>
+    <ds:schemaRef ds:uri="http://schemas.microsoft.com/sharepoint/v3/contenttype/forms"/>
+  </ds:schemaRefs>
+</ds:datastoreItem>
+</file>
+
+<file path=customXml/itemProps2.xml><?xml version="1.0" encoding="utf-8"?>
 <ds:datastoreItem xmlns:ds="http://schemas.openxmlformats.org/officeDocument/2006/customXml" ds:itemID="{620ED59B-F67D-4B99-A0A7-E5237FF58100}">
   <ds:schemaRefs>
     <ds:schemaRef ds:uri="http://schemas.microsoft.com/office/2006/metadata/properties"/>
     <ds:schemaRef ds:uri="http://schemas.microsoft.com/office/infopath/2007/PartnerControls"/>
     <ds:schemaRef ds:uri="71af3243-3dd4-4a8d-8c0d-dd76da1f02a5"/>
-  </ds:schemaRefs>
-</ds:datastoreItem>
-</file>
-
-<file path=customXml/itemProps2.xml><?xml version="1.0" encoding="utf-8"?>
-<ds:datastoreItem xmlns:ds="http://schemas.openxmlformats.org/officeDocument/2006/customXml" ds:itemID="{3E17AD15-0DEB-4851-82A2-261C041346DD}">
-  <ds:schemaRefs>
-    <ds:schemaRef ds:uri="http://schemas.microsoft.com/sharepoint/v3/contenttype/forms"/>
   </ds:schemaRefs>
 </ds:datastoreItem>
 </file>

--- a/.PPT/REST API.pptx
+++ b/.PPT/REST API.pptx
@@ -14615,10 +14615,10 @@
           <a:lstStyle/>
           <a:p>
             <a:r>
-              <a:rPr lang="hu-HU" sz="3400" dirty="0"/>
-              <a:t>Javasolt adatbázistáblák</a:t>
+              <a:rPr lang="hu-HU" sz="3300" dirty="0"/>
+              <a:t>javasolt relációs táblák </a:t>
             </a:r>
-            <a:endParaRPr lang="hu-HU" sz="3400" dirty="0">
+            <a:endParaRPr lang="hu-HU" sz="3300" dirty="0">
               <a:solidFill>
                 <a:schemeClr val="tx1"/>
               </a:solidFill>
@@ -18116,20 +18116,20 @@
 </file>
 
 <file path=customXml/item1.xml><?xml version="1.0" encoding="utf-8"?>
+<p:properties xmlns:p="http://schemas.microsoft.com/office/2006/metadata/properties" xmlns:xsi="http://www.w3.org/2001/XMLSchema-instance" xmlns:pc="http://schemas.microsoft.com/office/infopath/2007/PartnerControls">
+  <documentManagement>
+    <MediaServiceKeyPoints xmlns="71af3243-3dd4-4a8d-8c0d-dd76da1f02a5" xsi:nil="true"/>
+  </documentManagement>
+</p:properties>
+</file>
+
+<file path=customXml/item2.xml><?xml version="1.0" encoding="utf-8"?>
 <?mso-contentType ?>
 <FormTemplates xmlns="http://schemas.microsoft.com/sharepoint/v3/contenttype/forms">
   <Display>DocumentLibraryForm</Display>
   <Edit>DocumentLibraryForm</Edit>
   <New>DocumentLibraryForm</New>
 </FormTemplates>
-</file>
-
-<file path=customXml/item2.xml><?xml version="1.0" encoding="utf-8"?>
-<p:properties xmlns:p="http://schemas.microsoft.com/office/2006/metadata/properties" xmlns:xsi="http://www.w3.org/2001/XMLSchema-instance" xmlns:pc="http://schemas.microsoft.com/office/infopath/2007/PartnerControls">
-  <documentManagement>
-    <MediaServiceKeyPoints xmlns="71af3243-3dd4-4a8d-8c0d-dd76da1f02a5" xsi:nil="true"/>
-  </documentManagement>
-</p:properties>
 </file>
 
 <file path=customXml/item3.xml><?xml version="1.0" encoding="utf-8"?>
@@ -18344,19 +18344,19 @@
 </file>
 
 <file path=customXml/itemProps1.xml><?xml version="1.0" encoding="utf-8"?>
-<ds:datastoreItem xmlns:ds="http://schemas.openxmlformats.org/officeDocument/2006/customXml" ds:itemID="{3E17AD15-0DEB-4851-82A2-261C041346DD}">
+<ds:datastoreItem xmlns:ds="http://schemas.openxmlformats.org/officeDocument/2006/customXml" ds:itemID="{620ED59B-F67D-4B99-A0A7-E5237FF58100}">
   <ds:schemaRefs>
-    <ds:schemaRef ds:uri="http://schemas.microsoft.com/sharepoint/v3/contenttype/forms"/>
+    <ds:schemaRef ds:uri="http://schemas.microsoft.com/office/2006/metadata/properties"/>
+    <ds:schemaRef ds:uri="http://schemas.microsoft.com/office/infopath/2007/PartnerControls"/>
+    <ds:schemaRef ds:uri="71af3243-3dd4-4a8d-8c0d-dd76da1f02a5"/>
   </ds:schemaRefs>
 </ds:datastoreItem>
 </file>
 
 <file path=customXml/itemProps2.xml><?xml version="1.0" encoding="utf-8"?>
-<ds:datastoreItem xmlns:ds="http://schemas.openxmlformats.org/officeDocument/2006/customXml" ds:itemID="{620ED59B-F67D-4B99-A0A7-E5237FF58100}">
+<ds:datastoreItem xmlns:ds="http://schemas.openxmlformats.org/officeDocument/2006/customXml" ds:itemID="{3E17AD15-0DEB-4851-82A2-261C041346DD}">
   <ds:schemaRefs>
-    <ds:schemaRef ds:uri="http://schemas.microsoft.com/office/2006/metadata/properties"/>
-    <ds:schemaRef ds:uri="http://schemas.microsoft.com/office/infopath/2007/PartnerControls"/>
-    <ds:schemaRef ds:uri="71af3243-3dd4-4a8d-8c0d-dd76da1f02a5"/>
+    <ds:schemaRef ds:uri="http://schemas.microsoft.com/sharepoint/v3/contenttype/forms"/>
   </ds:schemaRefs>
 </ds:datastoreItem>
 </file>

--- a/.PPT/REST API.pptx
+++ b/.PPT/REST API.pptx
@@ -14616,7 +14616,7 @@
           <a:p>
             <a:r>
               <a:rPr lang="hu-HU" sz="3300" dirty="0"/>
-              <a:t>javasolt relációs táblák </a:t>
+              <a:t>Javasolt adatbázistáblák</a:t>
             </a:r>
             <a:endParaRPr lang="hu-HU" sz="3300" dirty="0">
               <a:solidFill>
@@ -15028,7 +15028,7 @@
             </a:endParaRPr>
           </a:p>
           <a:p>
-            <a:pPr marL="0" marR="0" lvl="0" indent="0" defTabSz="914400" rtl="0" eaLnBrk="0" fontAlgn="base" latinLnBrk="0" hangingPunct="0">
+            <a:pPr marL="0" lvl="0" indent="0" eaLnBrk="0" fontAlgn="base" hangingPunct="0">
               <a:spcBef>
                 <a:spcPct val="0"/>
               </a:spcBef>
@@ -15036,26 +15036,18 @@
                 <a:spcPts val="600"/>
               </a:spcAft>
               <a:buClrTx/>
-              <a:buSzTx/>
-              <a:buFontTx/>
               <a:buNone/>
-              <a:tabLst/>
             </a:pPr>
             <a:r>
-              <a:rPr kumimoji="0" lang="hu-HU" altLang="hu-HU" sz="2300" b="1" i="0" u="none" strike="noStrike" cap="none" normalizeH="0" baseline="0" dirty="0">
-                <a:ln>
-                  <a:noFill/>
-                </a:ln>
+              <a:rPr lang="hu-HU" sz="2400" b="1" dirty="0">
                 <a:solidFill>
                   <a:schemeClr val="bg1"/>
                 </a:solidFill>
-                <a:effectLst/>
-                <a:latin typeface="Arial" panose="020B0604020202020204" pitchFamily="34" charset="0"/>
               </a:rPr>
-              <a:t>Indoklás</a:t>
+              <a:t>Miért így lett kialakítva?</a:t>
             </a:r>
             <a:r>
-              <a:rPr kumimoji="0" lang="hu-HU" altLang="hu-HU" sz="2300" b="0" i="0" u="none" strike="noStrike" cap="none" normalizeH="0" baseline="0" dirty="0">
+              <a:rPr kumimoji="0" lang="hu-HU" altLang="hu-HU" sz="2300" b="1" i="0" u="none" strike="noStrike" cap="none" normalizeH="0" baseline="0" dirty="0">
                 <a:ln>
                   <a:noFill/>
                 </a:ln>
@@ -18116,20 +18108,20 @@
 </file>
 
 <file path=customXml/item1.xml><?xml version="1.0" encoding="utf-8"?>
-<p:properties xmlns:p="http://schemas.microsoft.com/office/2006/metadata/properties" xmlns:xsi="http://www.w3.org/2001/XMLSchema-instance" xmlns:pc="http://schemas.microsoft.com/office/infopath/2007/PartnerControls">
-  <documentManagement>
-    <MediaServiceKeyPoints xmlns="71af3243-3dd4-4a8d-8c0d-dd76da1f02a5" xsi:nil="true"/>
-  </documentManagement>
-</p:properties>
-</file>
-
-<file path=customXml/item2.xml><?xml version="1.0" encoding="utf-8"?>
 <?mso-contentType ?>
 <FormTemplates xmlns="http://schemas.microsoft.com/sharepoint/v3/contenttype/forms">
   <Display>DocumentLibraryForm</Display>
   <Edit>DocumentLibraryForm</Edit>
   <New>DocumentLibraryForm</New>
 </FormTemplates>
+</file>
+
+<file path=customXml/item2.xml><?xml version="1.0" encoding="utf-8"?>
+<p:properties xmlns:p="http://schemas.microsoft.com/office/2006/metadata/properties" xmlns:xsi="http://www.w3.org/2001/XMLSchema-instance" xmlns:pc="http://schemas.microsoft.com/office/infopath/2007/PartnerControls">
+  <documentManagement>
+    <MediaServiceKeyPoints xmlns="71af3243-3dd4-4a8d-8c0d-dd76da1f02a5" xsi:nil="true"/>
+  </documentManagement>
+</p:properties>
 </file>
 
 <file path=customXml/item3.xml><?xml version="1.0" encoding="utf-8"?>
@@ -18344,19 +18336,19 @@
 </file>
 
 <file path=customXml/itemProps1.xml><?xml version="1.0" encoding="utf-8"?>
+<ds:datastoreItem xmlns:ds="http://schemas.openxmlformats.org/officeDocument/2006/customXml" ds:itemID="{3E17AD15-0DEB-4851-82A2-261C041346DD}">
+  <ds:schemaRefs>
+    <ds:schemaRef ds:uri="http://schemas.microsoft.com/sharepoint/v3/contenttype/forms"/>
+  </ds:schemaRefs>
+</ds:datastoreItem>
+</file>
+
+<file path=customXml/itemProps2.xml><?xml version="1.0" encoding="utf-8"?>
 <ds:datastoreItem xmlns:ds="http://schemas.openxmlformats.org/officeDocument/2006/customXml" ds:itemID="{620ED59B-F67D-4B99-A0A7-E5237FF58100}">
   <ds:schemaRefs>
     <ds:schemaRef ds:uri="http://schemas.microsoft.com/office/2006/metadata/properties"/>
     <ds:schemaRef ds:uri="http://schemas.microsoft.com/office/infopath/2007/PartnerControls"/>
     <ds:schemaRef ds:uri="71af3243-3dd4-4a8d-8c0d-dd76da1f02a5"/>
-  </ds:schemaRefs>
-</ds:datastoreItem>
-</file>
-
-<file path=customXml/itemProps2.xml><?xml version="1.0" encoding="utf-8"?>
-<ds:datastoreItem xmlns:ds="http://schemas.openxmlformats.org/officeDocument/2006/customXml" ds:itemID="{3E17AD15-0DEB-4851-82A2-261C041346DD}">
-  <ds:schemaRefs>
-    <ds:schemaRef ds:uri="http://schemas.microsoft.com/sharepoint/v3/contenttype/forms"/>
   </ds:schemaRefs>
 </ds:datastoreItem>
 </file>

--- a/.PPT/REST API.pptx
+++ b/.PPT/REST API.pptx
@@ -5,20 +5,21 @@
     <p:sldMasterId id="2147483828" r:id="rId4"/>
   </p:sldMasterIdLst>
   <p:notesMasterIdLst>
-    <p:notesMasterId r:id="rId13"/>
+    <p:notesMasterId r:id="rId14"/>
   </p:notesMasterIdLst>
   <p:handoutMasterIdLst>
-    <p:handoutMasterId r:id="rId14"/>
+    <p:handoutMasterId r:id="rId15"/>
   </p:handoutMasterIdLst>
   <p:sldIdLst>
     <p:sldId id="256" r:id="rId5"/>
-    <p:sldId id="257" r:id="rId6"/>
-    <p:sldId id="258" r:id="rId7"/>
-    <p:sldId id="259" r:id="rId8"/>
-    <p:sldId id="260" r:id="rId9"/>
-    <p:sldId id="261" r:id="rId10"/>
-    <p:sldId id="262" r:id="rId11"/>
-    <p:sldId id="263" r:id="rId12"/>
+    <p:sldId id="264" r:id="rId6"/>
+    <p:sldId id="257" r:id="rId7"/>
+    <p:sldId id="258" r:id="rId8"/>
+    <p:sldId id="259" r:id="rId9"/>
+    <p:sldId id="260" r:id="rId10"/>
+    <p:sldId id="261" r:id="rId11"/>
+    <p:sldId id="262" r:id="rId12"/>
+    <p:sldId id="263" r:id="rId13"/>
   </p:sldIdLst>
   <p:sldSz cx="12192000" cy="6858000"/>
   <p:notesSz cx="6858000" cy="9144000"/>
@@ -9596,7 +9597,7 @@
           <a:p>
             <a:fld id="{7FBC05BD-DC7B-4C5E-B5A5-4BFE3A782C32}" type="datetime1">
               <a:rPr lang="hu-HU" smtClean="0"/>
-              <a:t>2025. 05. 16.</a:t>
+              <a:t>2025. 05. 23.</a:t>
             </a:fld>
             <a:endParaRPr lang="hu-HU"/>
           </a:p>
@@ -9774,7 +9775,7 @@
             <a:fld id="{45FA87C7-7519-4D67-86B1-4C59B63E80B8}" type="datetime1">
               <a:rPr lang="hu-HU" smtClean="0"/>
               <a:pPr/>
-              <a:t>2025. 05. 16.</a:t>
+              <a:t>2025. 05. 23.</a:t>
             </a:fld>
             <a:endParaRPr lang="hu-HU" dirty="0"/>
           </a:p>
@@ -10289,7 +10290,7 @@
             <a:pPr rtl="0"/>
             <a:fld id="{7AA398F9-7496-460B-902E-C273C2A0B206}" type="datetime1">
               <a:rPr lang="hu-HU" noProof="0" smtClean="0"/>
-              <a:t>2025. 05. 16.</a:t>
+              <a:t>2025. 05. 23.</a:t>
             </a:fld>
             <a:endParaRPr lang="hu-HU" noProof="0"/>
           </a:p>
@@ -10465,7 +10466,7 @@
             <a:pPr rtl="0"/>
             <a:fld id="{87CC698A-6760-4A62-9018-0AABCF159EC6}" type="datetime1">
               <a:rPr lang="hu-HU" noProof="0" smtClean="0"/>
-              <a:t>2025. 05. 16.</a:t>
+              <a:t>2025. 05. 23.</a:t>
             </a:fld>
             <a:endParaRPr lang="hu-HU" noProof="0"/>
           </a:p>
@@ -10651,7 +10652,7 @@
             <a:pPr rtl="0"/>
             <a:fld id="{F349D86D-F33B-4708-8DFE-791360037264}" type="datetime1">
               <a:rPr lang="hu-HU" noProof="0" smtClean="0"/>
-              <a:t>2025. 05. 16.</a:t>
+              <a:t>2025. 05. 23.</a:t>
             </a:fld>
             <a:endParaRPr lang="hu-HU" noProof="0"/>
           </a:p>
@@ -10827,7 +10828,7 @@
             <a:pPr rtl="0"/>
             <a:fld id="{C0A3389E-19A3-411A-BFFF-AA1EBFAAA189}" type="datetime1">
               <a:rPr lang="hu-HU" noProof="0" smtClean="0"/>
-              <a:t>2025. 05. 16.</a:t>
+              <a:t>2025. 05. 23.</a:t>
             </a:fld>
             <a:endParaRPr lang="hu-HU" noProof="0"/>
           </a:p>
@@ -11102,7 +11103,7 @@
             <a:pPr rtl="0"/>
             <a:fld id="{7A6B76A7-E3DE-44F6-950D-D8C1CB8E60DB}" type="datetime1">
               <a:rPr lang="hu-HU" noProof="0" smtClean="0"/>
-              <a:t>2025. 05. 16.</a:t>
+              <a:t>2025. 05. 23.</a:t>
             </a:fld>
             <a:endParaRPr lang="hu-HU" noProof="0"/>
           </a:p>
@@ -11339,7 +11340,7 @@
             <a:pPr rtl="0"/>
             <a:fld id="{8BC095CB-A9A6-44F0-8909-7C83DD8442FC}" type="datetime1">
               <a:rPr lang="hu-HU" noProof="0" smtClean="0"/>
-              <a:t>2025. 05. 16.</a:t>
+              <a:t>2025. 05. 23.</a:t>
             </a:fld>
             <a:endParaRPr lang="hu-HU" noProof="0"/>
           </a:p>
@@ -11703,7 +11704,7 @@
             <a:pPr rtl="0"/>
             <a:fld id="{BD6D9442-43DA-4EA6-9479-AA3159D70C11}" type="datetime1">
               <a:rPr lang="hu-HU" noProof="0" smtClean="0"/>
-              <a:t>2025. 05. 16.</a:t>
+              <a:t>2025. 05. 23.</a:t>
             </a:fld>
             <a:endParaRPr lang="hu-HU" noProof="0"/>
           </a:p>
@@ -11852,7 +11853,7 @@
             <a:pPr rtl="0"/>
             <a:fld id="{1036479E-9EB2-4CA3-972B-BCF54BE5A0A5}" type="datetime1">
               <a:rPr lang="hu-HU" noProof="0" smtClean="0"/>
-              <a:t>2025. 05. 16.</a:t>
+              <a:t>2025. 05. 23.</a:t>
             </a:fld>
             <a:endParaRPr lang="hu-HU" noProof="0"/>
           </a:p>
@@ -11954,7 +11955,7 @@
             <a:pPr rtl="0"/>
             <a:fld id="{ED00793B-79A1-4226-A747-796950F69192}" type="datetime1">
               <a:rPr lang="hu-HU" noProof="0" smtClean="0"/>
-              <a:t>2025. 05. 16.</a:t>
+              <a:t>2025. 05. 23.</a:t>
             </a:fld>
             <a:endParaRPr lang="hu-HU" noProof="0"/>
           </a:p>
@@ -12317,7 +12318,7 @@
             <a:pPr rtl="0"/>
             <a:fld id="{02B24F7F-5EDB-4BD4-9351-4A870BAC5594}" type="datetime1">
               <a:rPr lang="hu-HU" noProof="0" smtClean="0"/>
-              <a:t>2025. 05. 16.</a:t>
+              <a:t>2025. 05. 23.</a:t>
             </a:fld>
             <a:endParaRPr lang="hu-HU" noProof="0"/>
           </a:p>
@@ -12681,7 +12682,7 @@
             <a:pPr rtl="0"/>
             <a:fld id="{346EB83B-EFC7-4D72-9197-46B8AC85C3EE}" type="datetime1">
               <a:rPr lang="hu-HU" noProof="0" smtClean="0"/>
-              <a:t>2025. 05. 16.</a:t>
+              <a:t>2025. 05. 23.</a:t>
             </a:fld>
             <a:endParaRPr lang="hu-HU" noProof="0"/>
           </a:p>
@@ -12929,7 +12930,7 @@
             <a:pPr rtl="0"/>
             <a:fld id="{B806525E-D09F-4AED-A424-337FF13407AE}" type="datetime1">
               <a:rPr lang="hu-HU" noProof="0" smtClean="0"/>
-              <a:t>2025. 05. 16.</a:t>
+              <a:t>2025. 05. 23.</a:t>
             </a:fld>
             <a:endParaRPr lang="hu-HU" noProof="0"/>
           </a:p>
@@ -13683,6 +13684,245 @@
           <a:chExt cx="0" cy="0"/>
         </a:xfrm>
       </p:grpSpPr>
+      <p:sp useBgFill="1">
+        <p:nvSpPr>
+          <p:cNvPr id="17" name="Rectangle 16">
+            <a:extLst>
+              <a:ext uri="{FF2B5EF4-FFF2-40B4-BE49-F238E27FC236}">
+                <a16:creationId xmlns:a16="http://schemas.microsoft.com/office/drawing/2014/main" id="{419501C6-F015-4273-AF88-E0F6C853899F}"/>
+              </a:ext>
+              <a:ext uri="{C183D7F6-B498-43B3-948B-1728B52AA6E4}">
+                <adec:decorative xmlns:adec="http://schemas.microsoft.com/office/drawing/2017/decorative" val="1"/>
+              </a:ext>
+            </a:extLst>
+          </p:cNvPr>
+          <p:cNvSpPr>
+            <a:spLocks noGrp="1" noRot="1" noChangeAspect="1" noMove="1" noResize="1" noEditPoints="1" noAdjustHandles="1" noChangeArrowheads="1" noChangeShapeType="1" noTextEdit="1"/>
+          </p:cNvSpPr>
+          <p:nvPr>
+            <p:extLst>
+              <p:ext uri="{386F3935-93C4-4BCD-93E2-E3B085C9AB24}">
+                <p16:designElem xmlns:p16="http://schemas.microsoft.com/office/powerpoint/2015/main" val="1"/>
+              </p:ext>
+            </p:extLst>
+          </p:nvPr>
+        </p:nvSpPr>
+        <p:spPr>
+          <a:xfrm>
+            <a:off x="0" y="0"/>
+            <a:ext cx="12191999" cy="6858000"/>
+          </a:xfrm>
+          <a:prstGeom prst="rect">
+            <a:avLst/>
+          </a:prstGeom>
+          <a:ln>
+            <a:noFill/>
+          </a:ln>
+        </p:spPr>
+        <p:style>
+          <a:lnRef idx="2">
+            <a:schemeClr val="accent1">
+              <a:shade val="50000"/>
+            </a:schemeClr>
+          </a:lnRef>
+          <a:fillRef idx="1">
+            <a:schemeClr val="accent1"/>
+          </a:fillRef>
+          <a:effectRef idx="0">
+            <a:schemeClr val="accent1"/>
+          </a:effectRef>
+          <a:fontRef idx="minor">
+            <a:schemeClr val="lt1"/>
+          </a:fontRef>
+        </p:style>
+        <p:txBody>
+          <a:bodyPr rtlCol="0" anchor="ctr"/>
+          <a:lstStyle/>
+          <a:p>
+            <a:pPr algn="ctr"/>
+            <a:endParaRPr lang="en-US"/>
+          </a:p>
+        </p:txBody>
+      </p:sp>
+      <p:sp>
+        <p:nvSpPr>
+          <p:cNvPr id="19" name="Rectangle 18">
+            <a:extLst>
+              <a:ext uri="{FF2B5EF4-FFF2-40B4-BE49-F238E27FC236}">
+                <a16:creationId xmlns:a16="http://schemas.microsoft.com/office/drawing/2014/main" id="{CA677DB7-5829-45BD-9754-5EC484CC4253}"/>
+              </a:ext>
+              <a:ext uri="{C183D7F6-B498-43B3-948B-1728B52AA6E4}">
+                <adec:decorative xmlns:adec="http://schemas.microsoft.com/office/drawing/2017/decorative" val="1"/>
+              </a:ext>
+            </a:extLst>
+          </p:cNvPr>
+          <p:cNvSpPr>
+            <a:spLocks noGrp="1" noRot="1" noChangeAspect="1" noMove="1" noResize="1" noEditPoints="1" noAdjustHandles="1" noChangeArrowheads="1" noChangeShapeType="1" noTextEdit="1"/>
+          </p:cNvSpPr>
+          <p:nvPr>
+            <p:extLst>
+              <p:ext uri="{386F3935-93C4-4BCD-93E2-E3B085C9AB24}">
+                <p16:designElem xmlns:p16="http://schemas.microsoft.com/office/powerpoint/2015/main" val="1"/>
+              </p:ext>
+            </p:extLst>
+          </p:nvPr>
+        </p:nvSpPr>
+        <p:spPr>
+          <a:xfrm>
+            <a:off x="1" y="1"/>
+            <a:ext cx="4654296" cy="6858000"/>
+          </a:xfrm>
+          <a:prstGeom prst="rect">
+            <a:avLst/>
+          </a:prstGeom>
+          <a:solidFill>
+            <a:schemeClr val="accent2"/>
+          </a:solidFill>
+          <a:ln>
+            <a:noFill/>
+          </a:ln>
+        </p:spPr>
+        <p:style>
+          <a:lnRef idx="2">
+            <a:schemeClr val="accent1">
+              <a:shade val="50000"/>
+            </a:schemeClr>
+          </a:lnRef>
+          <a:fillRef idx="1">
+            <a:schemeClr val="accent1"/>
+          </a:fillRef>
+          <a:effectRef idx="0">
+            <a:schemeClr val="accent1"/>
+          </a:effectRef>
+          <a:fontRef idx="minor">
+            <a:schemeClr val="lt1"/>
+          </a:fontRef>
+        </p:style>
+        <p:txBody>
+          <a:bodyPr rtlCol="0" anchor="ctr"/>
+          <a:lstStyle/>
+          <a:p>
+            <a:pPr algn="ctr"/>
+            <a:endParaRPr lang="en-US"/>
+          </a:p>
+        </p:txBody>
+      </p:sp>
+      <p:sp>
+        <p:nvSpPr>
+          <p:cNvPr id="2" name="Cím 1">
+            <a:extLst>
+              <a:ext uri="{FF2B5EF4-FFF2-40B4-BE49-F238E27FC236}">
+                <a16:creationId xmlns:a16="http://schemas.microsoft.com/office/drawing/2014/main" id="{8EC4ECAD-A620-0FDC-D10A-C55ACC2A465A}"/>
+              </a:ext>
+            </a:extLst>
+          </p:cNvPr>
+          <p:cNvSpPr>
+            <a:spLocks noGrp="1"/>
+          </p:cNvSpPr>
+          <p:nvPr>
+            <p:ph type="title"/>
+          </p:nvPr>
+        </p:nvSpPr>
+        <p:spPr>
+          <a:xfrm>
+            <a:off x="804672" y="2404872"/>
+            <a:ext cx="3044950" cy="1627792"/>
+          </a:xfrm>
+        </p:spPr>
+        <p:txBody>
+          <a:bodyPr vert="horz" lIns="274320" tIns="182880" rIns="274320" bIns="182880" rtlCol="0" anchor="ctr" anchorCtr="1">
+            <a:noAutofit/>
+          </a:bodyPr>
+          <a:lstStyle/>
+          <a:p>
+            <a:r>
+              <a:rPr lang="hu-HU" sz="2300" dirty="0"/>
+              <a:t>UML diagram: Bejegyzések és kapcsolataik</a:t>
+            </a:r>
+            <a:endParaRPr lang="en-US" sz="2300" dirty="0"/>
+          </a:p>
+        </p:txBody>
+      </p:sp>
+      <p:pic>
+        <p:nvPicPr>
+          <p:cNvPr id="7" name="Kép 6">
+            <a:extLst>
+              <a:ext uri="{FF2B5EF4-FFF2-40B4-BE49-F238E27FC236}">
+                <a16:creationId xmlns:a16="http://schemas.microsoft.com/office/drawing/2014/main" id="{3E742FE7-0943-C3F8-ADB0-A63BDAD6D80B}"/>
+              </a:ext>
+            </a:extLst>
+          </p:cNvPr>
+          <p:cNvPicPr>
+            <a:picLocks noChangeAspect="1"/>
+          </p:cNvPicPr>
+          <p:nvPr/>
+        </p:nvPicPr>
+        <p:blipFill>
+          <a:blip r:embed="rId2"/>
+          <a:stretch>
+            <a:fillRect/>
+          </a:stretch>
+        </p:blipFill>
+        <p:spPr>
+          <a:xfrm>
+            <a:off x="4701065" y="293145"/>
+            <a:ext cx="7444165" cy="6271709"/>
+          </a:xfrm>
+          <a:prstGeom prst="rect">
+            <a:avLst/>
+          </a:prstGeom>
+        </p:spPr>
+      </p:pic>
+    </p:spTree>
+    <p:extLst>
+      <p:ext uri="{BB962C8B-B14F-4D97-AF65-F5344CB8AC3E}">
+        <p14:creationId xmlns:p14="http://schemas.microsoft.com/office/powerpoint/2010/main" val="3594538931"/>
+      </p:ext>
+    </p:extLst>
+  </p:cSld>
+  <p:clrMapOvr>
+    <a:masterClrMapping/>
+  </p:clrMapOvr>
+  <mc:AlternateContent xmlns:mc="http://schemas.openxmlformats.org/markup-compatibility/2006">
+    <mc:Choice xmlns:p14="http://schemas.microsoft.com/office/powerpoint/2010/main" Requires="p14">
+      <p:transition spd="med" p14:dur="700">
+        <p:fade/>
+      </p:transition>
+    </mc:Choice>
+    <mc:Fallback>
+      <p:transition spd="med">
+        <p:fade/>
+      </p:transition>
+    </mc:Fallback>
+  </mc:AlternateContent>
+</p:sld>
+</file>
+
+<file path=ppt/slides/slide3.xml><?xml version="1.0" encoding="utf-8"?>
+<p:sld xmlns:a="http://schemas.openxmlformats.org/drawingml/2006/main" xmlns:r="http://schemas.openxmlformats.org/officeDocument/2006/relationships" xmlns:p="http://schemas.openxmlformats.org/presentationml/2006/main">
+  <p:cSld>
+    <p:bg>
+      <p:bgPr>
+        <a:solidFill>
+          <a:schemeClr val="bg1"/>
+        </a:solidFill>
+        <a:effectLst/>
+      </p:bgPr>
+    </p:bg>
+    <p:spTree>
+      <p:nvGrpSpPr>
+        <p:cNvPr id="1" name=""/>
+        <p:cNvGrpSpPr/>
+        <p:nvPr/>
+      </p:nvGrpSpPr>
+      <p:grpSpPr>
+        <a:xfrm>
+          <a:off x="0" y="0"/>
+          <a:ext cx="0" cy="0"/>
+          <a:chOff x="0" y="0"/>
+          <a:chExt cx="0" cy="0"/>
+        </a:xfrm>
+      </p:grpSpPr>
       <p:sp>
         <p:nvSpPr>
           <p:cNvPr id="9" name="Rectangle 8">
@@ -14217,7 +14457,7 @@
 </p:sld>
 </file>
 
-<file path=ppt/slides/slide3.xml><?xml version="1.0" encoding="utf-8"?>
+<file path=ppt/slides/slide4.xml><?xml version="1.0" encoding="utf-8"?>
 <p:sld xmlns:a="http://schemas.openxmlformats.org/drawingml/2006/main" xmlns:r="http://schemas.openxmlformats.org/officeDocument/2006/relationships" xmlns:p="http://schemas.openxmlformats.org/presentationml/2006/main">
   <p:cSld>
     <p:bg>
@@ -14555,7 +14795,7 @@
 </p:sld>
 </file>
 
-<file path=ppt/slides/slide4.xml><?xml version="1.0" encoding="utf-8"?>
+<file path=ppt/slides/slide5.xml><?xml version="1.0" encoding="utf-8"?>
 <p:sld xmlns:a="http://schemas.openxmlformats.org/drawingml/2006/main" xmlns:r="http://schemas.openxmlformats.org/officeDocument/2006/relationships" xmlns:p="http://schemas.openxmlformats.org/presentationml/2006/main">
   <p:cSld>
     <p:bg>
@@ -15484,7 +15724,7 @@
 </p:sld>
 </file>
 
-<file path=ppt/slides/slide5.xml><?xml version="1.0" encoding="utf-8"?>
+<file path=ppt/slides/slide6.xml><?xml version="1.0" encoding="utf-8"?>
 <p:sld xmlns:a="http://schemas.openxmlformats.org/drawingml/2006/main" xmlns:r="http://schemas.openxmlformats.org/officeDocument/2006/relationships" xmlns:p="http://schemas.openxmlformats.org/presentationml/2006/main">
   <p:cSld>
     <p:bg>
@@ -15825,7 +16065,7 @@
 </p:sld>
 </file>
 
-<file path=ppt/slides/slide6.xml><?xml version="1.0" encoding="utf-8"?>
+<file path=ppt/slides/slide7.xml><?xml version="1.0" encoding="utf-8"?>
 <p:sld xmlns:a="http://schemas.openxmlformats.org/drawingml/2006/main" xmlns:r="http://schemas.openxmlformats.org/officeDocument/2006/relationships" xmlns:p="http://schemas.openxmlformats.org/presentationml/2006/main">
   <p:cSld>
     <p:bg>
@@ -16706,7 +16946,7 @@
 </p:sld>
 </file>
 
-<file path=ppt/slides/slide7.xml><?xml version="1.0" encoding="utf-8"?>
+<file path=ppt/slides/slide8.xml><?xml version="1.0" encoding="utf-8"?>
 <p:sld xmlns:a="http://schemas.openxmlformats.org/drawingml/2006/main" xmlns:r="http://schemas.openxmlformats.org/officeDocument/2006/relationships" xmlns:p="http://schemas.openxmlformats.org/presentationml/2006/main">
   <p:cSld>
     <p:bg>
@@ -16915,7 +17155,7 @@
 </p:sld>
 </file>
 
-<file path=ppt/slides/slide8.xml><?xml version="1.0" encoding="utf-8"?>
+<file path=ppt/slides/slide9.xml><?xml version="1.0" encoding="utf-8"?>
 <p:sld xmlns:a="http://schemas.openxmlformats.org/drawingml/2006/main" xmlns:r="http://schemas.openxmlformats.org/officeDocument/2006/relationships" xmlns:p="http://schemas.openxmlformats.org/presentationml/2006/main">
   <p:cSld>
     <p:bg>
@@ -18108,20 +18348,20 @@
 </file>
 
 <file path=customXml/item1.xml><?xml version="1.0" encoding="utf-8"?>
+<p:properties xmlns:p="http://schemas.microsoft.com/office/2006/metadata/properties" xmlns:xsi="http://www.w3.org/2001/XMLSchema-instance" xmlns:pc="http://schemas.microsoft.com/office/infopath/2007/PartnerControls">
+  <documentManagement>
+    <MediaServiceKeyPoints xmlns="71af3243-3dd4-4a8d-8c0d-dd76da1f02a5" xsi:nil="true"/>
+  </documentManagement>
+</p:properties>
+</file>
+
+<file path=customXml/item2.xml><?xml version="1.0" encoding="utf-8"?>
 <?mso-contentType ?>
 <FormTemplates xmlns="http://schemas.microsoft.com/sharepoint/v3/contenttype/forms">
   <Display>DocumentLibraryForm</Display>
   <Edit>DocumentLibraryForm</Edit>
   <New>DocumentLibraryForm</New>
 </FormTemplates>
-</file>
-
-<file path=customXml/item2.xml><?xml version="1.0" encoding="utf-8"?>
-<p:properties xmlns:p="http://schemas.microsoft.com/office/2006/metadata/properties" xmlns:xsi="http://www.w3.org/2001/XMLSchema-instance" xmlns:pc="http://schemas.microsoft.com/office/infopath/2007/PartnerControls">
-  <documentManagement>
-    <MediaServiceKeyPoints xmlns="71af3243-3dd4-4a8d-8c0d-dd76da1f02a5" xsi:nil="true"/>
-  </documentManagement>
-</p:properties>
 </file>
 
 <file path=customXml/item3.xml><?xml version="1.0" encoding="utf-8"?>
@@ -18336,19 +18576,19 @@
 </file>
 
 <file path=customXml/itemProps1.xml><?xml version="1.0" encoding="utf-8"?>
-<ds:datastoreItem xmlns:ds="http://schemas.openxmlformats.org/officeDocument/2006/customXml" ds:itemID="{3E17AD15-0DEB-4851-82A2-261C041346DD}">
+<ds:datastoreItem xmlns:ds="http://schemas.openxmlformats.org/officeDocument/2006/customXml" ds:itemID="{620ED59B-F67D-4B99-A0A7-E5237FF58100}">
   <ds:schemaRefs>
-    <ds:schemaRef ds:uri="http://schemas.microsoft.com/sharepoint/v3/contenttype/forms"/>
+    <ds:schemaRef ds:uri="http://schemas.microsoft.com/office/2006/metadata/properties"/>
+    <ds:schemaRef ds:uri="http://schemas.microsoft.com/office/infopath/2007/PartnerControls"/>
+    <ds:schemaRef ds:uri="71af3243-3dd4-4a8d-8c0d-dd76da1f02a5"/>
   </ds:schemaRefs>
 </ds:datastoreItem>
 </file>
 
 <file path=customXml/itemProps2.xml><?xml version="1.0" encoding="utf-8"?>
-<ds:datastoreItem xmlns:ds="http://schemas.openxmlformats.org/officeDocument/2006/customXml" ds:itemID="{620ED59B-F67D-4B99-A0A7-E5237FF58100}">
+<ds:datastoreItem xmlns:ds="http://schemas.openxmlformats.org/officeDocument/2006/customXml" ds:itemID="{3E17AD15-0DEB-4851-82A2-261C041346DD}">
   <ds:schemaRefs>
-    <ds:schemaRef ds:uri="http://schemas.microsoft.com/office/2006/metadata/properties"/>
-    <ds:schemaRef ds:uri="http://schemas.microsoft.com/office/infopath/2007/PartnerControls"/>
-    <ds:schemaRef ds:uri="71af3243-3dd4-4a8d-8c0d-dd76da1f02a5"/>
+    <ds:schemaRef ds:uri="http://schemas.microsoft.com/sharepoint/v3/contenttype/forms"/>
   </ds:schemaRefs>
 </ds:datastoreItem>
 </file>
